--- a/GDD/컨셉/교육시스템기획서.pptx
+++ b/GDD/컨셉/교육시스템기획서.pptx
@@ -5,7 +5,7 @@
     <p:sldMasterId id="2147483672" r:id="rId1"/>
   </p:sldMasterIdLst>
   <p:notesMasterIdLst>
-    <p:notesMasterId r:id="rId13"/>
+    <p:notesMasterId r:id="rId14"/>
   </p:notesMasterIdLst>
   <p:sldIdLst>
     <p:sldId id="351" r:id="rId2"/>
@@ -18,7 +18,8 @@
     <p:sldId id="554" r:id="rId9"/>
     <p:sldId id="555" r:id="rId10"/>
     <p:sldId id="556" r:id="rId11"/>
-    <p:sldId id="350" r:id="rId12"/>
+    <p:sldId id="557" r:id="rId12"/>
+    <p:sldId id="350" r:id="rId13"/>
   </p:sldIdLst>
   <p:sldSz cx="12192000" cy="6858000"/>
   <p:notesSz cx="6858000" cy="9144000"/>
@@ -544,7 +545,7 @@
           <a:p>
             <a:fld id="{1D0C6200-15D8-4533-8096-E953776B0B17}" type="slidenum">
               <a:rPr lang="en-US" smtClean="0"/>
-              <a:t>11</a:t>
+              <a:t>12</a:t>
             </a:fld>
             <a:endParaRPr lang="en-US"/>
           </a:p>
@@ -34627,6 +34628,127 @@
       </p:grpSpPr>
       <p:sp>
         <p:nvSpPr>
+          <p:cNvPr id="2" name="제목 1">
+            <a:extLst>
+              <a:ext uri="{FF2B5EF4-FFF2-40B4-BE49-F238E27FC236}">
+                <a16:creationId xmlns:a16="http://schemas.microsoft.com/office/drawing/2014/main" id="{1DE7E937-D6E9-BC28-5506-99F1C0511FA7}"/>
+              </a:ext>
+            </a:extLst>
+          </p:cNvPr>
+          <p:cNvSpPr>
+            <a:spLocks noGrp="1"/>
+          </p:cNvSpPr>
+          <p:nvPr>
+            <p:ph type="title"/>
+          </p:nvPr>
+        </p:nvSpPr>
+        <p:spPr/>
+        <p:txBody>
+          <a:bodyPr/>
+          <a:lstStyle/>
+          <a:p>
+            <a:r>
+              <a:rPr lang="en-US" altLang="ko-KR" dirty="0"/>
+              <a:t>4</a:t>
+            </a:r>
+            <a:r>
+              <a:rPr lang="en-US" altLang="ko-KR" dirty="0" smtClean="0"/>
+              <a:t>. </a:t>
+            </a:r>
+            <a:r>
+              <a:rPr lang="ko-KR" altLang="en-US" smtClean="0"/>
+              <a:t>시스템 설명</a:t>
+            </a:r>
+            <a:endParaRPr lang="ko-KR" altLang="en-US" dirty="0"/>
+          </a:p>
+        </p:txBody>
+      </p:sp>
+      <p:sp>
+        <p:nvSpPr>
+          <p:cNvPr id="3" name="바닥글 개체 틀 2">
+            <a:extLst>
+              <a:ext uri="{FF2B5EF4-FFF2-40B4-BE49-F238E27FC236}">
+                <a16:creationId xmlns:a16="http://schemas.microsoft.com/office/drawing/2014/main" id="{A5D3D941-F961-3A53-4D00-FD0675828828}"/>
+              </a:ext>
+            </a:extLst>
+          </p:cNvPr>
+          <p:cNvSpPr>
+            <a:spLocks noGrp="1"/>
+          </p:cNvSpPr>
+          <p:nvPr>
+            <p:ph type="ftr" sz="quarter" idx="15"/>
+          </p:nvPr>
+        </p:nvSpPr>
+        <p:spPr/>
+        <p:txBody>
+          <a:bodyPr/>
+          <a:lstStyle/>
+          <a:p>
+            <a:r>
+              <a:rPr lang="en-US"/>
+              <a:t>Converting your business from Good to Great.</a:t>
+            </a:r>
+            <a:endParaRPr lang="en-US" dirty="0"/>
+          </a:p>
+        </p:txBody>
+      </p:sp>
+      <p:sp>
+        <p:nvSpPr>
+          <p:cNvPr id="4" name="텍스트 개체 틀 3">
+            <a:extLst>
+              <a:ext uri="{FF2B5EF4-FFF2-40B4-BE49-F238E27FC236}">
+                <a16:creationId xmlns:a16="http://schemas.microsoft.com/office/drawing/2014/main" id="{E775B50E-1132-E88B-4152-52AA3FB32B3C}"/>
+              </a:ext>
+            </a:extLst>
+          </p:cNvPr>
+          <p:cNvSpPr>
+            <a:spLocks noGrp="1"/>
+          </p:cNvSpPr>
+          <p:nvPr>
+            <p:ph type="body" sz="quarter" idx="17"/>
+          </p:nvPr>
+        </p:nvSpPr>
+        <p:spPr/>
+        <p:txBody>
+          <a:bodyPr/>
+          <a:lstStyle/>
+          <a:p>
+            <a:endParaRPr lang="ko-KR" altLang="en-US"/>
+          </a:p>
+        </p:txBody>
+      </p:sp>
+    </p:spTree>
+    <p:extLst>
+      <p:ext uri="{BB962C8B-B14F-4D97-AF65-F5344CB8AC3E}">
+        <p14:creationId xmlns:p14="http://schemas.microsoft.com/office/powerpoint/2010/main" val="841752955"/>
+      </p:ext>
+    </p:extLst>
+  </p:cSld>
+  <p:clrMapOvr>
+    <a:masterClrMapping/>
+  </p:clrMapOvr>
+</p:sld>
+</file>
+
+<file path=ppt/slides/slide12.xml><?xml version="1.0" encoding="utf-8"?>
+<p:sld xmlns:a="http://schemas.openxmlformats.org/drawingml/2006/main" xmlns:r="http://schemas.openxmlformats.org/officeDocument/2006/relationships" xmlns:p="http://schemas.openxmlformats.org/presentationml/2006/main">
+  <p:cSld>
+    <p:spTree>
+      <p:nvGrpSpPr>
+        <p:cNvPr id="1" name=""/>
+        <p:cNvGrpSpPr/>
+        <p:nvPr/>
+      </p:nvGrpSpPr>
+      <p:grpSpPr>
+        <a:xfrm>
+          <a:off x="0" y="0"/>
+          <a:ext cx="0" cy="0"/>
+          <a:chOff x="0" y="0"/>
+          <a:chExt cx="0" cy="0"/>
+        </a:xfrm>
+      </p:grpSpPr>
+      <p:sp>
+        <p:nvSpPr>
           <p:cNvPr id="6" name="Title 5"/>
           <p:cNvSpPr>
             <a:spLocks noGrp="1"/>
@@ -35626,7 +35748,7 @@
         </p:nvSpPr>
         <p:spPr>
           <a:xfrm>
-            <a:off x="107504" y="2578063"/>
+            <a:off x="1646119" y="2479059"/>
             <a:ext cx="2880320" cy="3168352"/>
           </a:xfrm>
           <a:prstGeom prst="rect">
@@ -35671,7 +35793,7 @@
         </p:nvSpPr>
         <p:spPr>
           <a:xfrm>
-            <a:off x="107504" y="5153000"/>
+            <a:off x="1646119" y="5053996"/>
             <a:ext cx="2880320" cy="584448"/>
           </a:xfrm>
           <a:prstGeom prst="rect">
@@ -35801,7 +35923,7 @@
         </p:nvSpPr>
         <p:spPr>
           <a:xfrm>
-            <a:off x="1259632" y="5229200"/>
+            <a:off x="2798247" y="5130196"/>
             <a:ext cx="432048" cy="432048"/>
           </a:xfrm>
           <a:prstGeom prst="ellipse">
@@ -35860,7 +35982,7 @@
         </p:nvSpPr>
         <p:spPr>
           <a:xfrm>
-            <a:off x="3073449" y="2994268"/>
+            <a:off x="4612064" y="2895264"/>
             <a:ext cx="1727301" cy="350488"/>
           </a:xfrm>
           <a:prstGeom prst="rect">
@@ -35923,7 +36045,7 @@
         </p:nvSpPr>
         <p:spPr>
           <a:xfrm>
-            <a:off x="323528" y="2780928"/>
+            <a:off x="1862143" y="2681924"/>
             <a:ext cx="432048" cy="432048"/>
           </a:xfrm>
           <a:prstGeom prst="ellipse">
@@ -35982,7 +36104,7 @@
         </p:nvSpPr>
         <p:spPr>
           <a:xfrm>
-            <a:off x="1321925" y="2769804"/>
+            <a:off x="2860540" y="2670800"/>
             <a:ext cx="432048" cy="432048"/>
           </a:xfrm>
           <a:prstGeom prst="ellipse">
@@ -36041,7 +36163,7 @@
         </p:nvSpPr>
         <p:spPr>
           <a:xfrm>
-            <a:off x="2294033" y="2769804"/>
+            <a:off x="3832648" y="2670800"/>
             <a:ext cx="432048" cy="432048"/>
           </a:xfrm>
           <a:prstGeom prst="ellipse">
@@ -36100,7 +36222,7 @@
         </p:nvGrpSpPr>
         <p:grpSpPr>
           <a:xfrm>
-            <a:off x="3086121" y="3776242"/>
+            <a:off x="4624736" y="3677238"/>
             <a:ext cx="1727301" cy="350488"/>
             <a:chOff x="3878209" y="3776242"/>
             <a:chExt cx="1727301" cy="350488"/>
@@ -36229,7 +36351,7 @@
         </p:nvGrpSpPr>
         <p:grpSpPr>
           <a:xfrm>
-            <a:off x="3053912" y="4207970"/>
+            <a:off x="4592527" y="4108966"/>
             <a:ext cx="1759510" cy="350488"/>
             <a:chOff x="3846000" y="4207970"/>
             <a:chExt cx="1759510" cy="350488"/>
@@ -36360,7 +36482,7 @@
         </p:nvGrpSpPr>
         <p:grpSpPr>
           <a:xfrm>
-            <a:off x="3068389" y="4600176"/>
+            <a:off x="4607004" y="4501172"/>
             <a:ext cx="1745033" cy="350488"/>
             <a:chOff x="3860477" y="4600176"/>
             <a:chExt cx="1745033" cy="350488"/>
@@ -36484,10 +36606,16 @@
           <p:cNvGraphicFramePr>
             <a:graphicFrameLocks noGrp="1"/>
           </p:cNvGraphicFramePr>
-          <p:nvPr/>
+          <p:nvPr>
+            <p:extLst>
+              <p:ext uri="{D42A27DB-BD31-4B8C-83A1-F6EECF244321}">
+                <p14:modId xmlns:p14="http://schemas.microsoft.com/office/powerpoint/2010/main" val="3547384367"/>
+              </p:ext>
+            </p:extLst>
+          </p:nvPr>
         </p:nvGraphicFramePr>
         <p:xfrm>
-          <a:off x="4886375" y="2347559"/>
+          <a:off x="6424990" y="2248555"/>
           <a:ext cx="4150121" cy="3408680"/>
         </p:xfrm>
         <a:graphic>
@@ -36934,7 +37062,7 @@
         </p:nvSpPr>
         <p:spPr>
           <a:xfrm>
-            <a:off x="755576" y="2636912"/>
+            <a:off x="2294191" y="2537908"/>
             <a:ext cx="216024" cy="216024"/>
           </a:xfrm>
           <a:prstGeom prst="ellipse">
@@ -36992,7 +37120,7 @@
         </p:nvSpPr>
         <p:spPr>
           <a:xfrm>
-            <a:off x="3100874" y="2733448"/>
+            <a:off x="4639489" y="2634444"/>
             <a:ext cx="216024" cy="216024"/>
           </a:xfrm>
           <a:prstGeom prst="ellipse">
@@ -37050,7 +37178,7 @@
         </p:nvSpPr>
         <p:spPr>
           <a:xfrm>
-            <a:off x="3064571" y="3554200"/>
+            <a:off x="4603186" y="3455196"/>
             <a:ext cx="216024" cy="216024"/>
           </a:xfrm>
           <a:prstGeom prst="ellipse">
@@ -37108,7 +37236,7 @@
         </p:nvSpPr>
         <p:spPr>
           <a:xfrm>
-            <a:off x="1681346" y="5375312"/>
+            <a:off x="3219961" y="5276308"/>
             <a:ext cx="216024" cy="216024"/>
           </a:xfrm>
           <a:prstGeom prst="ellipse">
@@ -37166,7 +37294,7 @@
         </p:nvSpPr>
         <p:spPr>
           <a:xfrm>
-            <a:off x="4932040" y="2420888"/>
+            <a:off x="6470655" y="2321884"/>
             <a:ext cx="216024" cy="216024"/>
           </a:xfrm>
           <a:prstGeom prst="ellipse">
@@ -37224,7 +37352,7 @@
         </p:nvSpPr>
         <p:spPr>
           <a:xfrm>
-            <a:off x="4932040" y="2877816"/>
+            <a:off x="6470655" y="2778812"/>
             <a:ext cx="216024" cy="216024"/>
           </a:xfrm>
           <a:prstGeom prst="ellipse">
@@ -37282,7 +37410,7 @@
         </p:nvSpPr>
         <p:spPr>
           <a:xfrm flipH="1">
-            <a:off x="3085702" y="2210739"/>
+            <a:off x="4624317" y="2111735"/>
             <a:ext cx="1708289" cy="454292"/>
           </a:xfrm>
           <a:prstGeom prst="rect">
@@ -37347,7 +37475,7 @@
         </p:nvSpPr>
         <p:spPr>
           <a:xfrm>
-            <a:off x="4932040" y="3501008"/>
+            <a:off x="6470655" y="3402004"/>
             <a:ext cx="216024" cy="216024"/>
           </a:xfrm>
           <a:prstGeom prst="ellipse">
@@ -37405,7 +37533,7 @@
         </p:nvSpPr>
         <p:spPr>
           <a:xfrm>
-            <a:off x="4932040" y="3980142"/>
+            <a:off x="6470655" y="3881138"/>
             <a:ext cx="216024" cy="216024"/>
           </a:xfrm>
           <a:prstGeom prst="ellipse">
@@ -37463,7 +37591,7 @@
         </p:nvSpPr>
         <p:spPr>
           <a:xfrm>
-            <a:off x="412449" y="3429000"/>
+            <a:off x="1951064" y="3329996"/>
             <a:ext cx="216024" cy="1308949"/>
           </a:xfrm>
           <a:prstGeom prst="rect">
@@ -37514,7 +37642,7 @@
         </p:nvSpPr>
         <p:spPr>
           <a:xfrm>
-            <a:off x="1422656" y="3429000"/>
+            <a:off x="2961271" y="3329996"/>
             <a:ext cx="216024" cy="1308949"/>
           </a:xfrm>
           <a:prstGeom prst="rect">
@@ -37565,7 +37693,7 @@
         </p:nvSpPr>
         <p:spPr>
           <a:xfrm>
-            <a:off x="2402045" y="3449745"/>
+            <a:off x="3940660" y="3350741"/>
             <a:ext cx="216024" cy="1308949"/>
           </a:xfrm>
           <a:prstGeom prst="rect">
@@ -37616,7 +37744,7 @@
         </p:nvSpPr>
         <p:spPr>
           <a:xfrm>
-            <a:off x="1160440" y="3961402"/>
+            <a:off x="2699055" y="3862398"/>
             <a:ext cx="216024" cy="216024"/>
           </a:xfrm>
           <a:prstGeom prst="ellipse">
@@ -37674,7 +37802,7 @@
         </p:nvSpPr>
         <p:spPr>
           <a:xfrm>
-            <a:off x="4932040" y="4351264"/>
+            <a:off x="6470655" y="4252260"/>
             <a:ext cx="216024" cy="216024"/>
           </a:xfrm>
           <a:prstGeom prst="ellipse">
